--- a/Data Science Journey.pptx
+++ b/Data Science Journey.pptx
@@ -2093,7 +2093,7 @@
         <p:spPr>
           <a:xfrm>
             <a:off x="1176019" y="4300220"/>
-            <a:ext cx="5885180" cy="950901"/>
+            <a:ext cx="5885180" cy="1689565"/>
           </a:xfrm>
           <a:prstGeom prst="rect">
             <a:avLst/>
@@ -2147,6 +2147,26 @@
                 <a:spcPts val="755"/>
               </a:spcBef>
             </a:pPr>
+            <a:r>
+              <a:rPr lang="en-US" sz="2400" spc="130" dirty="0">
+                <a:solidFill>
+                  <a:srgbClr val="616E52"/>
+                </a:solidFill>
+                <a:latin typeface="Arial"/>
+                <a:cs typeface="Arial"/>
+                <a:hlinkClick r:id="rId2"/>
+              </a:rPr>
+              <a:t>https://github.com/Nivedita-spec/IBM-DataScienceEcosystem</a:t>
+            </a:r>
+            <a:br>
+              <a:rPr lang="en-US" sz="2400" spc="130" dirty="0">
+                <a:solidFill>
+                  <a:srgbClr val="616E52"/>
+                </a:solidFill>
+                <a:latin typeface="Arial"/>
+                <a:cs typeface="Arial"/>
+              </a:rPr>
+            </a:br>
             <a:r>
               <a:rPr lang="en-US" sz="2400" spc="130" dirty="0">
                 <a:solidFill>
@@ -3173,31 +3193,25 @@
               <a:t>GitHub url: </a:t>
             </a:r>
             <a:r>
-              <a:rPr sz="2000" spc="-5" dirty="0">
-                <a:solidFill>
-                  <a:srgbClr val="404040"/>
-                </a:solidFill>
-                <a:latin typeface="Carlito"/>
-                <a:cs typeface="Carlito"/>
-              </a:rPr>
-              <a:t> </a:t>
-            </a:r>
-            <a:r>
-              <a:rPr lang="en-IN" sz="2000" u="heavy" spc="-5" dirty="0">
-                <a:solidFill>
-                  <a:srgbClr val="2996E1"/>
-                </a:solidFill>
-                <a:uFill>
-                  <a:solidFill>
-                    <a:srgbClr val="2996E1"/>
-                  </a:solidFill>
-                </a:uFill>
+              <a:rPr lang="en-US" sz="2000" spc="-5" dirty="0">
+                <a:solidFill>
+                  <a:srgbClr val="404040"/>
+                </a:solidFill>
                 <a:latin typeface="Carlito"/>
                 <a:cs typeface="Carlito"/>
                 <a:hlinkClick r:id="rId2"/>
               </a:rPr>
-              <a:t>https://github.com/navassherif98/IBM_Data_Science_Professional_Certification/blob/master/10.Applied_Data_Science_Capstone/Week%201%20Introduction/Data%20wrangling%20.ipynb</a:t>
-            </a:r>
+              <a:t>https://github.com/Nivedita-spec/IBM DataScienceEcosystem/blob/master/DataWrangling.ipynb</a:t>
+            </a:r>
+            <a:br>
+              <a:rPr lang="en-US" sz="2000" spc="-5" dirty="0">
+                <a:solidFill>
+                  <a:srgbClr val="404040"/>
+                </a:solidFill>
+                <a:latin typeface="Carlito"/>
+                <a:cs typeface="Carlito"/>
+              </a:rPr>
+            </a:br>
             <a:endParaRPr sz="2000" dirty="0">
               <a:latin typeface="Carlito"/>
               <a:cs typeface="Carlito"/>
@@ -3371,7 +3385,7 @@
         <p:spPr>
           <a:xfrm>
             <a:off x="1176019" y="1824608"/>
-            <a:ext cx="9963150" cy="3583940"/>
+            <a:ext cx="9963150" cy="3608039"/>
           </a:xfrm>
           <a:prstGeom prst="rect">
             <a:avLst/>
@@ -4189,7 +4203,7 @@
               <a:t>GitHub </a:t>
             </a:r>
             <a:r>
-              <a:rPr sz="2000" u="heavy" spc="-5" dirty="0">
+              <a:rPr sz="2000" u="heavy" spc="-5" dirty="0" err="1">
                 <a:solidFill>
                   <a:srgbClr val="404040"/>
                 </a:solidFill>
@@ -4201,22 +4215,12 @@
                 <a:latin typeface="Carlito"/>
                 <a:cs typeface="Carlito"/>
               </a:rPr>
-              <a:t>url: </a:t>
-            </a:r>
-            <a:r>
-              <a:rPr sz="2000" spc="-5" dirty="0">
-                <a:solidFill>
-                  <a:srgbClr val="404040"/>
-                </a:solidFill>
-                <a:latin typeface="Carlito"/>
-                <a:cs typeface="Carlito"/>
-              </a:rPr>
-              <a:t> </a:t>
-            </a:r>
-            <a:r>
-              <a:rPr lang="en-IN" sz="2000" u="heavy" spc="-10" dirty="0">
-                <a:solidFill>
-                  <a:srgbClr val="2996E1"/>
+              <a:t>url</a:t>
+            </a:r>
+            <a:r>
+              <a:rPr sz="2000" u="heavy" spc="-5" dirty="0">
+                <a:solidFill>
+                  <a:srgbClr val="404040"/>
                 </a:solidFill>
                 <a:uFill>
                   <a:solidFill>
@@ -4225,10 +4229,54 @@
                 </a:uFill>
                 <a:latin typeface="Carlito"/>
                 <a:cs typeface="Carlito"/>
+              </a:rPr>
+              <a:t>:</a:t>
+            </a:r>
+            <a:r>
+              <a:rPr lang="en-US" sz="2000" u="heavy" spc="-5" dirty="0">
+                <a:solidFill>
+                  <a:srgbClr val="404040"/>
+                </a:solidFill>
+                <a:uFill>
+                  <a:solidFill>
+                    <a:srgbClr val="404040"/>
+                  </a:solidFill>
+                </a:uFill>
+                <a:latin typeface="Carlito"/>
+                <a:cs typeface="Carlito"/>
+              </a:rPr>
+              <a:t> </a:t>
+            </a:r>
+            <a:r>
+              <a:rPr lang="en-US" sz="2000" u="heavy" spc="-5" dirty="0">
+                <a:solidFill>
+                  <a:srgbClr val="404040"/>
+                </a:solidFill>
+                <a:uFill>
+                  <a:solidFill>
+                    <a:srgbClr val="404040"/>
+                  </a:solidFill>
+                </a:uFill>
+                <a:latin typeface="Carlito"/>
+                <a:cs typeface="Carlito"/>
                 <a:hlinkClick r:id="rId2"/>
               </a:rPr>
-              <a:t>https://github.com/navassherif98/IBM_Data_Science_Professional_Certification/blob/master/10.Applied_Data_Science_Capstone/Week%202%20EDA/EDA%20with%20Visualization.ipynb</a:t>
-            </a:r>
+              <a:t>https://github.com/Nivedita-spec/IBM-DataScienceEcosystem/blob/master/EDA%20with%20Visualization.ipynb</a:t>
+            </a:r>
+            <a:br>
+              <a:rPr lang="en-US" sz="2000" u="heavy" spc="-5" dirty="0">
+                <a:solidFill>
+                  <a:srgbClr val="404040"/>
+                </a:solidFill>
+                <a:uFill>
+                  <a:solidFill>
+                    <a:srgbClr val="404040"/>
+                  </a:solidFill>
+                </a:uFill>
+                <a:latin typeface="Carlito"/>
+                <a:cs typeface="Carlito"/>
+              </a:rPr>
+            </a:br>
             <a:endParaRPr sz="2000" dirty="0">
               <a:latin typeface="Carlito"/>
               <a:cs typeface="Carlito"/>
@@ -4398,7 +4446,7 @@
         <p:spPr>
           <a:xfrm>
             <a:off x="1176019" y="1622485"/>
-            <a:ext cx="9687560" cy="3925570"/>
+            <a:ext cx="9687560" cy="3896195"/>
           </a:xfrm>
           <a:prstGeom prst="rect">
             <a:avLst/>
@@ -4906,31 +4954,25 @@
               <a:t>url: </a:t>
             </a:r>
             <a:r>
-              <a:rPr sz="2000" spc="-5" dirty="0">
-                <a:solidFill>
-                  <a:srgbClr val="404040"/>
-                </a:solidFill>
-                <a:latin typeface="Carlito"/>
-                <a:cs typeface="Carlito"/>
-              </a:rPr>
-              <a:t> </a:t>
-            </a:r>
-            <a:r>
-              <a:rPr lang="en-IN" sz="2000" u="heavy" spc="-5" dirty="0">
-                <a:solidFill>
-                  <a:srgbClr val="2996E1"/>
-                </a:solidFill>
-                <a:uFill>
-                  <a:solidFill>
-                    <a:srgbClr val="2996E1"/>
-                  </a:solidFill>
-                </a:uFill>
+              <a:rPr lang="en-US" sz="2000" spc="-5" dirty="0">
+                <a:solidFill>
+                  <a:srgbClr val="404040"/>
+                </a:solidFill>
                 <a:latin typeface="Carlito"/>
                 <a:cs typeface="Carlito"/>
                 <a:hlinkClick r:id="rId2"/>
               </a:rPr>
-              <a:t>https://github.com/navassherif98/IBM_Data_Science_Professional_Certification/blob/master/10.Applied_Data_Science_Capstone/Week%202%20EDA/EDA%20with%20SQL.ipynb</a:t>
-            </a:r>
+              <a:t>https://github.com/Nivedita-spec/IBM-DataScienceEcosystem/blob/master/EDA%20with%20SQL.ipynb</a:t>
+            </a:r>
+            <a:br>
+              <a:rPr lang="en-US" sz="2000" spc="-5" dirty="0">
+                <a:solidFill>
+                  <a:srgbClr val="404040"/>
+                </a:solidFill>
+                <a:latin typeface="Carlito"/>
+                <a:cs typeface="Carlito"/>
+              </a:rPr>
+            </a:br>
             <a:endParaRPr sz="2000" dirty="0">
               <a:latin typeface="Carlito"/>
               <a:cs typeface="Carlito"/>
@@ -5563,7 +5605,7 @@
                 <a:cs typeface="Carlito"/>
                 <a:hlinkClick r:id="rId2"/>
               </a:rPr>
-              <a:t>https://github.com/navassherif98/IBM_Data_Science_Professional_Certification/blob/master/10.Applied_Data_Science_Capstone/Week%203%20Interactive%20Visual%20Analytics%20and%20Dashboard/Interactive%20Visual%20Analytics%20with%20Folium.ipynb</a:t>
+              <a:t>https://github.com/Nivedita-spec/IBM-DataScienceEcosystem/blob/master/Interactive%20Visual%20Analytics%20with%20Folium.ipynb</a:t>
             </a:r>
             <a:endParaRPr sz="2000" dirty="0">
               <a:latin typeface="Carlito"/>
@@ -5746,7 +5788,7 @@
         <p:spPr>
           <a:xfrm>
             <a:off x="609600" y="1676247"/>
-            <a:ext cx="11430000" cy="4658711"/>
+            <a:ext cx="11430000" cy="5133200"/>
           </a:xfrm>
           <a:prstGeom prst="rect">
             <a:avLst/>
@@ -6620,8 +6662,44 @@
                 <a:cs typeface="Carlito"/>
                 <a:hlinkClick r:id="rId2"/>
               </a:rPr>
-              <a:t>https://github.com/navassherif98/IBM_Data_Science_Professional_Certification/blob/master/10.Applied_Data_Science_Capstone/Week%203%20Interactive%20Visual%20Analytics%20and%20Dashboard/spacex_dash_app.py</a:t>
-            </a:r>
+              <a:t>https://github.com/Nivedita-spec/IBM-DataScienceEcosystem/blob/master/spacex_dash_app.py</a:t>
+            </a:r>
+            <a:br>
+              <a:rPr lang="en-IN" sz="2000" u="heavy" spc="-10" dirty="0">
+                <a:solidFill>
+                  <a:srgbClr val="2996E1"/>
+                </a:solidFill>
+                <a:uFill>
+                  <a:solidFill>
+                    <a:srgbClr val="2996E1"/>
+                  </a:solidFill>
+                </a:uFill>
+                <a:latin typeface="Carlito"/>
+                <a:cs typeface="Carlito"/>
+              </a:rPr>
+            </a:br>
+            <a:endParaRPr lang="en-IN" sz="2000" u="heavy" spc="-10" dirty="0">
+              <a:solidFill>
+                <a:srgbClr val="2996E1"/>
+              </a:solidFill>
+              <a:uFill>
+                <a:solidFill>
+                  <a:srgbClr val="2996E1"/>
+                </a:solidFill>
+              </a:uFill>
+              <a:latin typeface="Carlito"/>
+              <a:cs typeface="Carlito"/>
+            </a:endParaRPr>
+          </a:p>
+          <a:p>
+            <a:pPr marL="12700" marR="1557020">
+              <a:lnSpc>
+                <a:spcPct val="150000"/>
+              </a:lnSpc>
+              <a:spcBef>
+                <a:spcPts val="95"/>
+              </a:spcBef>
+            </a:pPr>
             <a:endParaRPr sz="2000" dirty="0">
               <a:latin typeface="Carlito"/>
               <a:cs typeface="Carlito"/>
@@ -6757,7 +6835,7 @@
         <p:spPr>
           <a:xfrm>
             <a:off x="533401" y="2472309"/>
-            <a:ext cx="3061208" cy="2796278"/>
+            <a:ext cx="3061208" cy="2180725"/>
           </a:xfrm>
           <a:prstGeom prst="rect">
             <a:avLst/>
@@ -6850,8 +6928,14 @@
                 <a:cs typeface="Carlito"/>
                 <a:hlinkClick r:id="rId2"/>
               </a:rPr>
-              <a:t>https://github.com/navassherif98/IBM_Data_Science_Professional_Certification/blob/master/10.Applied_Data_Science_Capstone/Week%204%20Predictive%20Analysis%20(Classification)/Machine%20Learning%20Prediction.ipynb</a:t>
-            </a:r>
+              <a:t>https://github.com/Nivedita-spec/IBM-DataScienceEcosystem/blob/master/Machine%20Learning%20Prediction.ipynb</a:t>
+            </a:r>
+            <a:br>
+              <a:rPr lang="en-IN" sz="2000" dirty="0">
+                <a:latin typeface="Carlito"/>
+                <a:cs typeface="Carlito"/>
+              </a:rPr>
+            </a:br>
             <a:endParaRPr sz="2000" dirty="0">
               <a:latin typeface="Carlito"/>
               <a:cs typeface="Carlito"/>
@@ -31558,22 +31642,22 @@
                 <a:cs typeface="Carlito"/>
                 <a:hlinkClick r:id="rId2"/>
               </a:rPr>
-              <a:t>https://github.com/navassherif98/IBM_Data_Science_Professional_Certification</a:t>
-            </a:r>
-            <a:endParaRPr sz="2000" dirty="0">
-              <a:latin typeface="Carlito"/>
-              <a:cs typeface="Carlito"/>
-            </a:endParaRPr>
-          </a:p>
-          <a:p>
-            <a:pPr>
-              <a:lnSpc>
-                <a:spcPct val="100000"/>
-              </a:lnSpc>
-              <a:spcBef>
-                <a:spcPts val="40"/>
-              </a:spcBef>
-            </a:pPr>
+              <a:t>https://github.com/Nivedita-spec/IBM-DataScienceEcosystem/tree/master</a:t>
+            </a:r>
+            <a:br>
+              <a:rPr lang="en-IN" sz="2000" u="heavy" spc="-10" dirty="0">
+                <a:solidFill>
+                  <a:srgbClr val="800080"/>
+                </a:solidFill>
+                <a:uFill>
+                  <a:solidFill>
+                    <a:srgbClr val="800080"/>
+                  </a:solidFill>
+                </a:uFill>
+                <a:latin typeface="Carlito"/>
+                <a:cs typeface="Carlito"/>
+              </a:rPr>
+            </a:br>
             <a:endParaRPr sz="1750" dirty="0">
               <a:latin typeface="Carlito"/>
               <a:cs typeface="Carlito"/>
@@ -34280,7 +34364,7 @@
         </p:nvGrpSpPr>
         <p:grpSpPr>
           <a:xfrm>
-            <a:off x="0" y="0"/>
+            <a:off x="-8217" y="-381001"/>
             <a:ext cx="4104004" cy="6858000"/>
             <a:chOff x="0" y="0"/>
             <a:chExt cx="4104004" cy="6858000"/>
@@ -34332,7 +34416,7 @@
             <a:bodyPr wrap="square" lIns="0" tIns="0" rIns="0" bIns="0" rtlCol="0"/>
             <a:lstStyle/>
             <a:p>
-              <a:endParaRPr/>
+              <a:endParaRPr dirty="0"/>
             </a:p>
           </p:txBody>
         </p:sp>
@@ -36386,8 +36470,36 @@
                 <a:cs typeface="Carlito"/>
                 <a:hlinkClick r:id="rId23"/>
               </a:rPr>
-              <a:t>https://github.com/navassherif98/IBM_Data_Science_Professional_Certification/blob/master/10.Applied_Data_Science_Capstone/Week%201%20Introduction/Data%20Collection%20Api%20.ipynb</a:t>
-            </a:r>
+              <a:t>https://github.com/Nivedita-spec/IBM-DataScienceEcosystem/blob/master/Data%20Collection%20Api%20.ipynb</a:t>
+            </a:r>
+            <a:br>
+              <a:rPr lang="en-IN" sz="1500" u="sng" spc="-10" dirty="0">
+                <a:solidFill>
+                  <a:schemeClr val="bg1"/>
+                </a:solidFill>
+                <a:uFill>
+                  <a:solidFill>
+                    <a:srgbClr val="2996E1"/>
+                  </a:solidFill>
+                </a:uFill>
+                <a:latin typeface="Carlito"/>
+                <a:cs typeface="Carlito"/>
+              </a:rPr>
+            </a:br>
+            <a:br>
+              <a:rPr lang="en-IN" sz="1500" u="sng" spc="-10" dirty="0">
+                <a:solidFill>
+                  <a:schemeClr val="bg1"/>
+                </a:solidFill>
+                <a:uFill>
+                  <a:solidFill>
+                    <a:srgbClr val="2996E1"/>
+                  </a:solidFill>
+                </a:uFill>
+                <a:latin typeface="Carlito"/>
+                <a:cs typeface="Carlito"/>
+              </a:rPr>
+            </a:br>
             <a:endParaRPr sz="1500" dirty="0">
               <a:solidFill>
                 <a:schemeClr val="bg1"/>
@@ -38195,7 +38307,7 @@
         <p:spPr>
           <a:xfrm>
             <a:off x="535635" y="4830826"/>
-            <a:ext cx="2988945" cy="1282402"/>
+            <a:ext cx="2988945" cy="1697901"/>
           </a:xfrm>
           <a:prstGeom prst="rect">
             <a:avLst/>
@@ -38229,8 +38341,50 @@
                 <a:cs typeface="Carlito"/>
                 <a:hlinkClick r:id="rId17"/>
               </a:rPr>
-              <a:t>https://github.com/navassherif98/IBM_Data_Science_Professional_Certification/blob/master/10.Applied_Data_Science_Capstone/Week%201%20Introduction/Data%20Collection%20with%20Web%20Scraping.ipynb</a:t>
-            </a:r>
+              <a:t>https://github.com/Nivedita-spec/IBM-DataScienceEcosystem/blob/master/Data%20Collection%20with%20Web%20Scraping.ipynb</a:t>
+            </a:r>
+            <a:br>
+              <a:rPr lang="en-IN" sz="1500" u="sng" spc="-10" dirty="0">
+                <a:solidFill>
+                  <a:srgbClr val="2996E1"/>
+                </a:solidFill>
+                <a:uFill>
+                  <a:solidFill>
+                    <a:srgbClr val="2996E1"/>
+                  </a:solidFill>
+                </a:uFill>
+                <a:latin typeface="Carlito"/>
+                <a:cs typeface="Carlito"/>
+              </a:rPr>
+            </a:br>
+            <a:br>
+              <a:rPr lang="en-IN" sz="1500" u="sng" spc="-10" dirty="0">
+                <a:solidFill>
+                  <a:srgbClr val="2996E1"/>
+                </a:solidFill>
+                <a:uFill>
+                  <a:solidFill>
+                    <a:srgbClr val="2996E1"/>
+                  </a:solidFill>
+                </a:uFill>
+                <a:latin typeface="Carlito"/>
+                <a:cs typeface="Carlito"/>
+              </a:rPr>
+            </a:br>
+            <a:br>
+              <a:rPr lang="en-IN" sz="1500" u="sng" spc="-10" dirty="0">
+                <a:solidFill>
+                  <a:srgbClr val="2996E1"/>
+                </a:solidFill>
+                <a:uFill>
+                  <a:solidFill>
+                    <a:srgbClr val="2996E1"/>
+                  </a:solidFill>
+                </a:uFill>
+                <a:latin typeface="Carlito"/>
+                <a:cs typeface="Carlito"/>
+              </a:rPr>
+            </a:br>
             <a:endParaRPr lang="en-IN" sz="1500" dirty="0">
               <a:latin typeface="Carlito"/>
               <a:cs typeface="Carlito"/>
